--- a/powerpoint files/Session1.pptx
+++ b/powerpoint files/Session1.pptx
@@ -140,6 +140,30 @@
 
 <file path=ppt/changesInfos/changesInfo1.xml><?xml version="1.0" encoding="utf-8"?>
 <pc:chgInfo xmlns:a="http://schemas.openxmlformats.org/drawingml/2006/main" xmlns:r="http://schemas.openxmlformats.org/officeDocument/2006/relationships" xmlns:ac="http://schemas.microsoft.com/office/drawing/2013/main/command" xmlns:pc="http://schemas.microsoft.com/office/powerpoint/2013/main/command">
+  <pc:docChgLst>
+    <pc:chgData name="Srinivasa Rao" userId="a6b54366-f13d-4292-8bb4-f06c50909b1e" providerId="ADAL" clId="{33F0C8B9-328C-4A41-B7CC-0ACE32846C89}"/>
+    <pc:docChg chg="modSld">
+      <pc:chgData name="Srinivasa Rao" userId="a6b54366-f13d-4292-8bb4-f06c50909b1e" providerId="ADAL" clId="{33F0C8B9-328C-4A41-B7CC-0ACE32846C89}" dt="2024-02-20T08:13:37.844" v="7" actId="20577"/>
+      <pc:docMkLst>
+        <pc:docMk/>
+      </pc:docMkLst>
+      <pc:sldChg chg="modSp mod">
+        <pc:chgData name="Srinivasa Rao" userId="a6b54366-f13d-4292-8bb4-f06c50909b1e" providerId="ADAL" clId="{33F0C8B9-328C-4A41-B7CC-0ACE32846C89}" dt="2024-02-20T08:13:37.844" v="7" actId="20577"/>
+        <pc:sldMkLst>
+          <pc:docMk/>
+          <pc:sldMk cId="0" sldId="256"/>
+        </pc:sldMkLst>
+        <pc:spChg chg="mod">
+          <ac:chgData name="Srinivasa Rao" userId="a6b54366-f13d-4292-8bb4-f06c50909b1e" providerId="ADAL" clId="{33F0C8B9-328C-4A41-B7CC-0ACE32846C89}" dt="2024-02-20T08:13:37.844" v="7" actId="20577"/>
+          <ac:spMkLst>
+            <pc:docMk/>
+            <pc:sldMk cId="0" sldId="256"/>
+            <ac:spMk id="191" creationId="{00000000-0000-0000-0000-000000000000}"/>
+          </ac:spMkLst>
+        </pc:spChg>
+      </pc:sldChg>
+    </pc:docChg>
+  </pc:docChgLst>
   <pc:docChgLst>
     <pc:chgData name="Srinivasa Rao" userId="a6b54366-f13d-4292-8bb4-f06c50909b1e" providerId="ADAL" clId="{41D156DD-F322-3541-A394-B14DF1F17532}"/>
     <pc:docChg chg="modSld">
@@ -10106,24 +10130,24 @@
               </a:tabLst>
             </a:pPr>
             <a:r>
-              <a:rPr lang="en-US" sz="3200" spc="-1" dirty="0" err="1">
+              <a:rPr lang="en-US" sz="3200" spc="-1">
                 <a:solidFill>
                   <a:srgbClr val="8B8B8B"/>
                 </a:solidFill>
                 <a:latin typeface="Calibri"/>
                 <a:ea typeface="DejaVu Sans"/>
               </a:rPr>
-              <a:t>Michaelmas</a:t>
-            </a:r>
-            <a:r>
-              <a:rPr lang="en-US" sz="3200" b="0" strike="noStrike" spc="-1" dirty="0">
+              <a:t>Hilary</a:t>
+            </a:r>
+            <a:r>
+              <a:rPr lang="en-US" sz="3200" b="0" strike="noStrike" spc="-1">
                 <a:solidFill>
                   <a:srgbClr val="8B8B8B"/>
                 </a:solidFill>
                 <a:latin typeface="Calibri"/>
                 <a:ea typeface="DejaVu Sans"/>
               </a:rPr>
-              <a:t> 2023</a:t>
+              <a:t> 2024</a:t>
             </a:r>
             <a:endParaRPr lang="en-GB" sz="3200" b="0" strike="noStrike" spc="-1" dirty="0">
               <a:latin typeface="Arial"/>
